--- a/src/morea/materials/03-Java-Types.pptx
+++ b/src/morea/materials/03-Java-Types.pptx
@@ -9,18 +9,18 @@
   </p:notesMasterIdLst>
   <p:sldIdLst>
     <p:sldId id="256" r:id="rId2"/>
-    <p:sldId id="358" r:id="rId3"/>
-    <p:sldId id="367" r:id="rId4"/>
-    <p:sldId id="359" r:id="rId5"/>
-    <p:sldId id="360" r:id="rId6"/>
-    <p:sldId id="361" r:id="rId7"/>
-    <p:sldId id="362" r:id="rId8"/>
-    <p:sldId id="363" r:id="rId9"/>
-    <p:sldId id="364" r:id="rId10"/>
-    <p:sldId id="365" r:id="rId11"/>
-    <p:sldId id="366" r:id="rId12"/>
-    <p:sldId id="340" r:id="rId13"/>
-    <p:sldId id="345" r:id="rId14"/>
+    <p:sldId id="367" r:id="rId3"/>
+    <p:sldId id="359" r:id="rId4"/>
+    <p:sldId id="360" r:id="rId5"/>
+    <p:sldId id="361" r:id="rId6"/>
+    <p:sldId id="362" r:id="rId7"/>
+    <p:sldId id="363" r:id="rId8"/>
+    <p:sldId id="364" r:id="rId9"/>
+    <p:sldId id="365" r:id="rId10"/>
+    <p:sldId id="366" r:id="rId11"/>
+    <p:sldId id="340" r:id="rId12"/>
+    <p:sldId id="345" r:id="rId13"/>
+    <p:sldId id="368" r:id="rId14"/>
     <p:sldId id="341" r:id="rId15"/>
     <p:sldId id="342" r:id="rId16"/>
     <p:sldId id="343" r:id="rId17"/>
@@ -209,7 +209,7 @@
           <a:p>
             <a:fld id="{BB6BAE91-212C-F34F-A74B-874A8C7A7F45}" type="datetimeFigureOut">
               <a:rPr lang="en-US" smtClean="0"/>
-              <a:t>1/29/15</a:t>
+              <a:t>1/30/15</a:t>
             </a:fld>
             <a:endParaRPr lang="en-US"/>
           </a:p>
@@ -823,7 +823,7 @@
                 <a:latin typeface="Times New Roman" charset="0"/>
               </a:rPr>
               <a:pPr/>
-              <a:t>4</a:t>
+              <a:t>3</a:t>
             </a:fld>
             <a:endParaRPr lang="en-GB" sz="1200">
               <a:latin typeface="Times New Roman" charset="0"/>
@@ -2206,7 +2206,7 @@
                 <a:cs typeface="ＭＳ Ｐゴシック" charset="0"/>
               </a:rPr>
               <a:pPr/>
-              <a:t>5</a:t>
+              <a:t>4</a:t>
             </a:fld>
             <a:endParaRPr lang="en-GB" sz="1200" b="0">
               <a:latin typeface="Times New Roman" charset="0"/>
@@ -2762,7 +2762,7 @@
                 <a:cs typeface="ＭＳ Ｐゴシック" charset="0"/>
               </a:rPr>
               <a:pPr/>
-              <a:t>10</a:t>
+              <a:t>9</a:t>
             </a:fld>
             <a:endParaRPr lang="en-GB" sz="1200" b="0">
               <a:latin typeface="Times New Roman" charset="0"/>
@@ -3315,7 +3315,7 @@
                 <a:cs typeface="ＭＳ Ｐゴシック" charset="0"/>
               </a:rPr>
               <a:pPr/>
-              <a:t>11</a:t>
+              <a:t>10</a:t>
             </a:fld>
             <a:endParaRPr lang="en-GB" sz="1200">
               <a:latin typeface="Times New Roman" charset="0"/>
@@ -3479,7 +3479,7 @@
           <a:p>
             <a:fld id="{69646EDC-1F5F-A24A-8FE9-6BAE40A63EAE}" type="slidenum">
               <a:rPr lang="en-US" smtClean="0"/>
-              <a:t>12</a:t>
+              <a:t>11</a:t>
             </a:fld>
             <a:endParaRPr lang="en-US"/>
           </a:p>
@@ -3899,7 +3899,7 @@
             <a:fld id="{0A224073-CC75-5648-ACD2-42D96E2F7680}" type="slidenum">
               <a:rPr lang="en-GB" sz="1200"/>
               <a:pPr/>
-              <a:t>13</a:t>
+              <a:t>12</a:t>
             </a:fld>
             <a:endParaRPr lang="en-GB" sz="1200"/>
           </a:p>
@@ -5133,7 +5133,7 @@
           <a:p>
             <a:fld id="{95D0A52A-683A-E348-B00D-319C34B8C99A}" type="datetimeFigureOut">
               <a:rPr lang="en-US" smtClean="0"/>
-              <a:t>1/29/15</a:t>
+              <a:t>1/30/15</a:t>
             </a:fld>
             <a:endParaRPr lang="en-US"/>
           </a:p>
@@ -5303,7 +5303,7 @@
           <a:p>
             <a:fld id="{95D0A52A-683A-E348-B00D-319C34B8C99A}" type="datetimeFigureOut">
               <a:rPr lang="en-US" smtClean="0"/>
-              <a:t>1/29/15</a:t>
+              <a:t>1/30/15</a:t>
             </a:fld>
             <a:endParaRPr lang="en-US"/>
           </a:p>
@@ -5483,7 +5483,7 @@
           <a:p>
             <a:fld id="{95D0A52A-683A-E348-B00D-319C34B8C99A}" type="datetimeFigureOut">
               <a:rPr lang="en-US" smtClean="0"/>
-              <a:t>1/29/15</a:t>
+              <a:t>1/30/15</a:t>
             </a:fld>
             <a:endParaRPr lang="en-US"/>
           </a:p>
@@ -5876,7 +5876,7 @@
           <a:p>
             <a:fld id="{95D0A52A-683A-E348-B00D-319C34B8C99A}" type="datetimeFigureOut">
               <a:rPr lang="en-US" smtClean="0"/>
-              <a:t>1/29/15</a:t>
+              <a:t>1/30/15</a:t>
             </a:fld>
             <a:endParaRPr lang="en-US"/>
           </a:p>
@@ -6122,7 +6122,7 @@
           <a:p>
             <a:fld id="{95D0A52A-683A-E348-B00D-319C34B8C99A}" type="datetimeFigureOut">
               <a:rPr lang="en-US" smtClean="0"/>
-              <a:t>1/29/15</a:t>
+              <a:t>1/30/15</a:t>
             </a:fld>
             <a:endParaRPr lang="en-US"/>
           </a:p>
@@ -6410,7 +6410,7 @@
           <a:p>
             <a:fld id="{95D0A52A-683A-E348-B00D-319C34B8C99A}" type="datetimeFigureOut">
               <a:rPr lang="en-US" smtClean="0"/>
-              <a:t>1/29/15</a:t>
+              <a:t>1/30/15</a:t>
             </a:fld>
             <a:endParaRPr lang="en-US"/>
           </a:p>
@@ -6832,7 +6832,7 @@
           <a:p>
             <a:fld id="{95D0A52A-683A-E348-B00D-319C34B8C99A}" type="datetimeFigureOut">
               <a:rPr lang="en-US" smtClean="0"/>
-              <a:t>1/29/15</a:t>
+              <a:t>1/30/15</a:t>
             </a:fld>
             <a:endParaRPr lang="en-US"/>
           </a:p>
@@ -6950,7 +6950,7 @@
           <a:p>
             <a:fld id="{95D0A52A-683A-E348-B00D-319C34B8C99A}" type="datetimeFigureOut">
               <a:rPr lang="en-US" smtClean="0"/>
-              <a:t>1/29/15</a:t>
+              <a:t>1/30/15</a:t>
             </a:fld>
             <a:endParaRPr lang="en-US"/>
           </a:p>
@@ -7045,7 +7045,7 @@
           <a:p>
             <a:fld id="{95D0A52A-683A-E348-B00D-319C34B8C99A}" type="datetimeFigureOut">
               <a:rPr lang="en-US" smtClean="0"/>
-              <a:t>1/29/15</a:t>
+              <a:t>1/30/15</a:t>
             </a:fld>
             <a:endParaRPr lang="en-US"/>
           </a:p>
@@ -7322,7 +7322,7 @@
           <a:p>
             <a:fld id="{95D0A52A-683A-E348-B00D-319C34B8C99A}" type="datetimeFigureOut">
               <a:rPr lang="en-US" smtClean="0"/>
-              <a:t>1/29/15</a:t>
+              <a:t>1/30/15</a:t>
             </a:fld>
             <a:endParaRPr lang="en-US"/>
           </a:p>
@@ -7575,7 +7575,7 @@
           <a:p>
             <a:fld id="{95D0A52A-683A-E348-B00D-319C34B8C99A}" type="datetimeFigureOut">
               <a:rPr lang="en-US" smtClean="0"/>
-              <a:t>1/29/15</a:t>
+              <a:t>1/30/15</a:t>
             </a:fld>
             <a:endParaRPr lang="en-US"/>
           </a:p>
@@ -7788,7 +7788,7 @@
           <a:p>
             <a:fld id="{95D0A52A-683A-E348-B00D-319C34B8C99A}" type="datetimeFigureOut">
               <a:rPr lang="en-US" smtClean="0"/>
-              <a:t>1/29/15</a:t>
+              <a:t>1/30/15</a:t>
             </a:fld>
             <a:endParaRPr lang="en-US"/>
           </a:p>
@@ -8190,11 +8190,7 @@
           <a:p>
             <a:r>
               <a:rPr lang="en-US" dirty="0" smtClean="0"/>
-              <a:t>Defining a class &amp; </a:t>
-            </a:r>
-            <a:r>
-              <a:rPr lang="en-US" dirty="0" smtClean="0"/>
-              <a:t>Java Types</a:t>
+              <a:t>Defining a class &amp; Java Types</a:t>
             </a:r>
             <a:endParaRPr lang="en-US" dirty="0"/>
           </a:p>
@@ -8249,735 +8245,6 @@
 </file>
 
 <file path=ppt/slides/slide10.xml><?xml version="1.0" encoding="utf-8"?>
-<p:sld xmlns:a="http://schemas.openxmlformats.org/drawingml/2006/main" xmlns:r="http://schemas.openxmlformats.org/officeDocument/2006/relationships" xmlns:p="http://schemas.openxmlformats.org/presentationml/2006/main">
-  <p:cSld>
-    <p:spTree>
-      <p:nvGrpSpPr>
-        <p:cNvPr id="1" name=""/>
-        <p:cNvGrpSpPr/>
-        <p:nvPr/>
-      </p:nvGrpSpPr>
-      <p:grpSpPr>
-        <a:xfrm>
-          <a:off x="0" y="0"/>
-          <a:ext cx="0" cy="0"/>
-          <a:chOff x="0" y="0"/>
-          <a:chExt cx="0" cy="0"/>
-        </a:xfrm>
-      </p:grpSpPr>
-      <p:sp>
-        <p:nvSpPr>
-          <p:cNvPr id="49153" name="Rectangle 2"/>
-          <p:cNvSpPr>
-            <a:spLocks noGrp="1" noChangeArrowheads="1"/>
-          </p:cNvSpPr>
-          <p:nvPr>
-            <p:ph type="title"/>
-          </p:nvPr>
-        </p:nvSpPr>
-        <p:spPr/>
-        <p:txBody>
-          <a:bodyPr/>
-          <a:lstStyle/>
-          <a:p>
-            <a:pPr eaLnBrk="1" hangingPunct="1"/>
-            <a:r>
-              <a:rPr lang="en-US">
-                <a:latin typeface="Trebuchet MS" charset="0"/>
-                <a:ea typeface="MS PGothic" charset="0"/>
-                <a:cs typeface="Arial" charset="0"/>
-              </a:rPr>
-              <a:t>Constructors</a:t>
-            </a:r>
-          </a:p>
-        </p:txBody>
-      </p:sp>
-      <p:sp>
-        <p:nvSpPr>
-          <p:cNvPr id="13315" name="Rectangle 3"/>
-          <p:cNvSpPr>
-            <a:spLocks noGrp="1" noChangeArrowheads="1"/>
-          </p:cNvSpPr>
-          <p:nvPr>
-            <p:ph idx="1"/>
-          </p:nvPr>
-        </p:nvSpPr>
-        <p:spPr>
-          <a:xfrm>
-            <a:off x="228600" y="4114800"/>
-            <a:ext cx="8686800" cy="2286000"/>
-          </a:xfrm>
-        </p:spPr>
-        <p:txBody>
-          <a:bodyPr/>
-          <a:lstStyle/>
-          <a:p>
-            <a:pPr eaLnBrk="1" hangingPunct="1"/>
-            <a:r>
-              <a:rPr lang="en-US" sz="2400">
-                <a:latin typeface="Trebuchet MS" charset="0"/>
-                <a:ea typeface="MS PGothic" charset="0"/>
-                <a:cs typeface="Arial" charset="0"/>
-              </a:rPr>
-              <a:t>Constructors initialize an object.</a:t>
-            </a:r>
-          </a:p>
-          <a:p>
-            <a:pPr eaLnBrk="1" hangingPunct="1"/>
-            <a:r>
-              <a:rPr lang="en-US" sz="2400">
-                <a:latin typeface="Trebuchet MS" charset="0"/>
-                <a:ea typeface="MS PGothic" charset="0"/>
-                <a:cs typeface="Arial" charset="0"/>
-              </a:rPr>
-              <a:t>They have the same name as their class.</a:t>
-            </a:r>
-          </a:p>
-          <a:p>
-            <a:pPr eaLnBrk="1" hangingPunct="1"/>
-            <a:r>
-              <a:rPr lang="en-US" sz="2400">
-                <a:latin typeface="Trebuchet MS" charset="0"/>
-                <a:ea typeface="MS PGothic" charset="0"/>
-                <a:cs typeface="Arial" charset="0"/>
-              </a:rPr>
-              <a:t>They store initial values into the fields.</a:t>
-            </a:r>
-          </a:p>
-          <a:p>
-            <a:pPr eaLnBrk="1" hangingPunct="1"/>
-            <a:r>
-              <a:rPr lang="en-US" sz="2400">
-                <a:latin typeface="Trebuchet MS" charset="0"/>
-                <a:ea typeface="MS PGothic" charset="0"/>
-                <a:cs typeface="Arial" charset="0"/>
-              </a:rPr>
-              <a:t>They often receive external parameter values for this.</a:t>
-            </a:r>
-          </a:p>
-        </p:txBody>
-      </p:sp>
-      <p:sp>
-        <p:nvSpPr>
-          <p:cNvPr id="52227" name="Footer Placeholder 4"/>
-          <p:cNvSpPr>
-            <a:spLocks noGrp="1"/>
-          </p:cNvSpPr>
-          <p:nvPr>
-            <p:ph type="ftr" sz="quarter" idx="4294967295"/>
-          </p:nvPr>
-        </p:nvSpPr>
-        <p:spPr>
-          <a:xfrm>
-            <a:off x="3581400" y="6477000"/>
-            <a:ext cx="5562600" cy="307975"/>
-          </a:xfrm>
-        </p:spPr>
-        <p:txBody>
-          <a:bodyPr/>
-          <a:lstStyle/>
-          <a:p>
-            <a:pPr>
-              <a:defRPr/>
-            </a:pPr>
-            <a:r>
-              <a:rPr lang="en-GB" sz="1200" b="0">
-                <a:solidFill>
-                  <a:srgbClr val="685345"/>
-                </a:solidFill>
-                <a:ea typeface="ＭＳ Ｐゴシック" charset="-128"/>
-                <a:cs typeface="ＭＳ Ｐゴシック" charset="-128"/>
-              </a:rPr>
-              <a:t>Objects First with Java - A Practical Introduction using BlueJ, © David J. Barnes, Michael Kölling</a:t>
-            </a:r>
-          </a:p>
-        </p:txBody>
-      </p:sp>
-      <p:sp>
-        <p:nvSpPr>
-          <p:cNvPr id="13317" name="Text Box 5"/>
-          <p:cNvSpPr txBox="1">
-            <a:spLocks noChangeArrowheads="1"/>
-          </p:cNvSpPr>
-          <p:nvPr/>
-        </p:nvSpPr>
-        <p:spPr bwMode="auto">
-          <a:xfrm>
-            <a:off x="1968500" y="1208088"/>
-            <a:ext cx="4432300" cy="2678112"/>
-          </a:xfrm>
-          <a:prstGeom prst="rect">
-            <a:avLst/>
-          </a:prstGeom>
-          <a:noFill/>
-          <a:ln>
-            <a:noFill/>
-          </a:ln>
-          <a:extLst>
-            <a:ext uri="{909E8E84-426E-40dd-AFC4-6F175D3DCCD1}">
-              <a14:hiddenFill xmlns:a14="http://schemas.microsoft.com/office/drawing/2010/main">
-                <a:solidFill>
-                  <a:srgbClr val="FFFFFF"/>
-                </a:solidFill>
-              </a14:hiddenFill>
-            </a:ext>
-            <a:ext uri="{91240B29-F687-4f45-9708-019B960494DF}">
-              <a14:hiddenLine xmlns:a14="http://schemas.microsoft.com/office/drawing/2010/main" w="9525">
-                <a:solidFill>
-                  <a:srgbClr val="000000"/>
-                </a:solidFill>
-                <a:miter lim="800000"/>
-                <a:headEnd/>
-                <a:tailEnd/>
-              </a14:hiddenLine>
-            </a:ext>
-          </a:extLst>
-        </p:spPr>
-        <p:txBody>
-          <a:bodyPr wrap="none">
-            <a:spAutoFit/>
-          </a:bodyPr>
-          <a:lstStyle>
-            <a:lvl1pPr>
-              <a:defRPr sz="2400" b="1">
-                <a:solidFill>
-                  <a:schemeClr val="tx1"/>
-                </a:solidFill>
-                <a:latin typeface="Times" charset="0"/>
-                <a:ea typeface="MS PGothic" charset="0"/>
-                <a:cs typeface="MS PGothic" charset="0"/>
-              </a:defRPr>
-            </a:lvl1pPr>
-            <a:lvl2pPr marL="742950" indent="-285750">
-              <a:defRPr sz="2400" b="1">
-                <a:solidFill>
-                  <a:schemeClr val="tx1"/>
-                </a:solidFill>
-                <a:latin typeface="Times" charset="0"/>
-                <a:ea typeface="MS PGothic" charset="0"/>
-                <a:cs typeface="MS PGothic" charset="0"/>
-              </a:defRPr>
-            </a:lvl2pPr>
-            <a:lvl3pPr marL="1143000" indent="-228600">
-              <a:defRPr sz="2400" b="1">
-                <a:solidFill>
-                  <a:schemeClr val="tx1"/>
-                </a:solidFill>
-                <a:latin typeface="Times" charset="0"/>
-                <a:ea typeface="MS PGothic" charset="0"/>
-                <a:cs typeface="MS PGothic" charset="0"/>
-              </a:defRPr>
-            </a:lvl3pPr>
-            <a:lvl4pPr marL="1600200" indent="-228600">
-              <a:defRPr sz="2400" b="1">
-                <a:solidFill>
-                  <a:schemeClr val="tx1"/>
-                </a:solidFill>
-                <a:latin typeface="Times" charset="0"/>
-                <a:ea typeface="MS PGothic" charset="0"/>
-                <a:cs typeface="MS PGothic" charset="0"/>
-              </a:defRPr>
-            </a:lvl4pPr>
-            <a:lvl5pPr marL="2057400" indent="-228600">
-              <a:defRPr sz="2400" b="1">
-                <a:solidFill>
-                  <a:schemeClr val="tx1"/>
-                </a:solidFill>
-                <a:latin typeface="Times" charset="0"/>
-                <a:ea typeface="MS PGothic" charset="0"/>
-                <a:cs typeface="MS PGothic" charset="0"/>
-              </a:defRPr>
-            </a:lvl5pPr>
-            <a:lvl6pPr marL="2514600" indent="-228600" eaLnBrk="0" fontAlgn="base" hangingPunct="0">
-              <a:spcBef>
-                <a:spcPct val="0"/>
-              </a:spcBef>
-              <a:spcAft>
-                <a:spcPct val="0"/>
-              </a:spcAft>
-              <a:defRPr sz="2400" b="1">
-                <a:solidFill>
-                  <a:schemeClr val="tx1"/>
-                </a:solidFill>
-                <a:latin typeface="Times" charset="0"/>
-                <a:ea typeface="MS PGothic" charset="0"/>
-                <a:cs typeface="MS PGothic" charset="0"/>
-              </a:defRPr>
-            </a:lvl6pPr>
-            <a:lvl7pPr marL="2971800" indent="-228600" eaLnBrk="0" fontAlgn="base" hangingPunct="0">
-              <a:spcBef>
-                <a:spcPct val="0"/>
-              </a:spcBef>
-              <a:spcAft>
-                <a:spcPct val="0"/>
-              </a:spcAft>
-              <a:defRPr sz="2400" b="1">
-                <a:solidFill>
-                  <a:schemeClr val="tx1"/>
-                </a:solidFill>
-                <a:latin typeface="Times" charset="0"/>
-                <a:ea typeface="MS PGothic" charset="0"/>
-                <a:cs typeface="MS PGothic" charset="0"/>
-              </a:defRPr>
-            </a:lvl7pPr>
-            <a:lvl8pPr marL="3429000" indent="-228600" eaLnBrk="0" fontAlgn="base" hangingPunct="0">
-              <a:spcBef>
-                <a:spcPct val="0"/>
-              </a:spcBef>
-              <a:spcAft>
-                <a:spcPct val="0"/>
-              </a:spcAft>
-              <a:defRPr sz="2400" b="1">
-                <a:solidFill>
-                  <a:schemeClr val="tx1"/>
-                </a:solidFill>
-                <a:latin typeface="Times" charset="0"/>
-                <a:ea typeface="MS PGothic" charset="0"/>
-                <a:cs typeface="MS PGothic" charset="0"/>
-              </a:defRPr>
-            </a:lvl8pPr>
-            <a:lvl9pPr marL="3886200" indent="-228600" eaLnBrk="0" fontAlgn="base" hangingPunct="0">
-              <a:spcBef>
-                <a:spcPct val="0"/>
-              </a:spcBef>
-              <a:spcAft>
-                <a:spcPct val="0"/>
-              </a:spcAft>
-              <a:defRPr sz="2400" b="1">
-                <a:solidFill>
-                  <a:schemeClr val="tx1"/>
-                </a:solidFill>
-                <a:latin typeface="Times" charset="0"/>
-                <a:ea typeface="MS PGothic" charset="0"/>
-                <a:cs typeface="MS PGothic" charset="0"/>
-              </a:defRPr>
-            </a:lvl9pPr>
-          </a:lstStyle>
-          <a:p>
-            <a:pPr eaLnBrk="1" hangingPunct="1"/>
-            <a:r>
-              <a:rPr lang="en-US">
-                <a:latin typeface="Courier New" charset="0"/>
-                <a:ea typeface="ＭＳ Ｐゴシック" charset="0"/>
-                <a:cs typeface="ＭＳ Ｐゴシック" charset="0"/>
-              </a:rPr>
-              <a:t>public Square()</a:t>
-            </a:r>
-          </a:p>
-          <a:p>
-            <a:pPr eaLnBrk="1" hangingPunct="1"/>
-            <a:r>
-              <a:rPr lang="en-US">
-                <a:latin typeface="Courier New" charset="0"/>
-                <a:ea typeface="ＭＳ Ｐゴシック" charset="0"/>
-                <a:cs typeface="ＭＳ Ｐゴシック" charset="0"/>
-              </a:rPr>
-              <a:t>{</a:t>
-            </a:r>
-          </a:p>
-          <a:p>
-            <a:pPr eaLnBrk="1" hangingPunct="1"/>
-            <a:r>
-              <a:rPr lang="en-US">
-                <a:latin typeface="Courier New" charset="0"/>
-                <a:ea typeface="ＭＳ Ｐゴシック" charset="0"/>
-                <a:cs typeface="ＭＳ Ｐゴシック" charset="0"/>
-              </a:rPr>
-              <a:t>    x = 0;</a:t>
-            </a:r>
-          </a:p>
-          <a:p>
-            <a:pPr eaLnBrk="1" hangingPunct="1"/>
-            <a:r>
-              <a:rPr lang="en-US">
-                <a:latin typeface="Courier New" charset="0"/>
-                <a:ea typeface="ＭＳ Ｐゴシック" charset="0"/>
-                <a:cs typeface="ＭＳ Ｐゴシック" charset="0"/>
-              </a:rPr>
-              <a:t>    y = 0;</a:t>
-            </a:r>
-          </a:p>
-          <a:p>
-            <a:pPr eaLnBrk="1" hangingPunct="1"/>
-            <a:r>
-              <a:rPr lang="en-US">
-                <a:latin typeface="Courier New" charset="0"/>
-                <a:ea typeface="ＭＳ Ｐゴシック" charset="0"/>
-                <a:cs typeface="ＭＳ Ｐゴシック" charset="0"/>
-              </a:rPr>
-              <a:t>    size = 0;</a:t>
-            </a:r>
-          </a:p>
-          <a:p>
-            <a:pPr eaLnBrk="1" hangingPunct="1"/>
-            <a:r>
-              <a:rPr lang="en-US">
-                <a:latin typeface="Courier New" charset="0"/>
-                <a:ea typeface="ＭＳ Ｐゴシック" charset="0"/>
-                <a:cs typeface="ＭＳ Ｐゴシック" charset="0"/>
-              </a:rPr>
-              <a:t>    color = Color.blue;</a:t>
-            </a:r>
-          </a:p>
-          <a:p>
-            <a:pPr eaLnBrk="1" hangingPunct="1"/>
-            <a:r>
-              <a:rPr lang="en-US">
-                <a:latin typeface="Courier New" charset="0"/>
-                <a:ea typeface="ＭＳ Ｐゴシック" charset="0"/>
-                <a:cs typeface="ＭＳ Ｐゴシック" charset="0"/>
-              </a:rPr>
-              <a:t>} </a:t>
-            </a:r>
-          </a:p>
-        </p:txBody>
-      </p:sp>
-    </p:spTree>
-    <p:extLst>
-      <p:ext uri="{BB962C8B-B14F-4D97-AF65-F5344CB8AC3E}">
-        <p14:creationId xmlns:p14="http://schemas.microsoft.com/office/powerpoint/2010/main" val="891094126"/>
-      </p:ext>
-    </p:extLst>
-  </p:cSld>
-  <p:clrMapOvr>
-    <a:masterClrMapping/>
-  </p:clrMapOvr>
-  <p:transition xmlns:p14="http://schemas.microsoft.com/office/powerpoint/2010/main" spd="med"/>
-  <p:timing>
-    <p:tnLst>
-      <p:par>
-        <p:cTn xmlns:p14="http://schemas.microsoft.com/office/powerpoint/2010/main" id="1" dur="indefinite" restart="never" nodeType="tmRoot">
-          <p:childTnLst>
-            <p:seq concurrent="1" nextAc="seek">
-              <p:cTn id="2" dur="indefinite" nodeType="mainSeq">
-                <p:childTnLst>
-                  <p:par>
-                    <p:cTn id="3" fill="hold" nodeType="clickPar">
-                      <p:stCondLst>
-                        <p:cond delay="indefinite"/>
-                      </p:stCondLst>
-                      <p:childTnLst>
-                        <p:par>
-                          <p:cTn id="4" fill="hold" nodeType="withGroup">
-                            <p:stCondLst>
-                              <p:cond delay="0"/>
-                            </p:stCondLst>
-                            <p:childTnLst>
-                              <p:par>
-                                <p:cTn id="5" presetID="10" presetClass="entr" presetSubtype="0" fill="hold" grpId="0" nodeType="clickEffect">
-                                  <p:stCondLst>
-                                    <p:cond delay="0"/>
-                                  </p:stCondLst>
-                                  <p:childTnLst>
-                                    <p:set>
-                                      <p:cBhvr>
-                                        <p:cTn id="6" dur="1" fill="hold">
-                                          <p:stCondLst>
-                                            <p:cond delay="0"/>
-                                          </p:stCondLst>
-                                        </p:cTn>
-                                        <p:tgtEl>
-                                          <p:spTgt spid="13317"/>
-                                        </p:tgtEl>
-                                        <p:attrNameLst>
-                                          <p:attrName>style.visibility</p:attrName>
-                                        </p:attrNameLst>
-                                      </p:cBhvr>
-                                      <p:to>
-                                        <p:strVal val="visible"/>
-                                      </p:to>
-                                    </p:set>
-                                    <p:animEffect transition="in" filter="fade">
-                                      <p:cBhvr>
-                                        <p:cTn id="7" dur="500"/>
-                                        <p:tgtEl>
-                                          <p:spTgt spid="13317"/>
-                                        </p:tgtEl>
-                                      </p:cBhvr>
-                                    </p:animEffect>
-                                  </p:childTnLst>
-                                </p:cTn>
-                              </p:par>
-                            </p:childTnLst>
-                          </p:cTn>
-                        </p:par>
-                      </p:childTnLst>
-                    </p:cTn>
-                  </p:par>
-                  <p:par>
-                    <p:cTn id="8" fill="hold" nodeType="clickPar">
-                      <p:stCondLst>
-                        <p:cond delay="indefinite"/>
-                      </p:stCondLst>
-                      <p:childTnLst>
-                        <p:par>
-                          <p:cTn id="9" fill="hold" nodeType="withGroup">
-                            <p:stCondLst>
-                              <p:cond delay="0"/>
-                            </p:stCondLst>
-                            <p:childTnLst>
-                              <p:par>
-                                <p:cTn id="10" presetID="22" presetClass="entr" presetSubtype="8" fill="hold" grpId="0" nodeType="clickEffect">
-                                  <p:stCondLst>
-                                    <p:cond delay="0"/>
-                                  </p:stCondLst>
-                                  <p:childTnLst>
-                                    <p:set>
-                                      <p:cBhvr>
-                                        <p:cTn id="11" dur="1" fill="hold">
-                                          <p:stCondLst>
-                                            <p:cond delay="0"/>
-                                          </p:stCondLst>
-                                        </p:cTn>
-                                        <p:tgtEl>
-                                          <p:spTgt spid="13315">
-                                            <p:txEl>
-                                              <p:pRg st="0" end="0"/>
-                                            </p:txEl>
-                                          </p:spTgt>
-                                        </p:tgtEl>
-                                        <p:attrNameLst>
-                                          <p:attrName>style.visibility</p:attrName>
-                                        </p:attrNameLst>
-                                      </p:cBhvr>
-                                      <p:to>
-                                        <p:strVal val="visible"/>
-                                      </p:to>
-                                    </p:set>
-                                    <p:animEffect transition="in" filter="wipe(left)">
-                                      <p:cBhvr>
-                                        <p:cTn id="12" dur="500"/>
-                                        <p:tgtEl>
-                                          <p:spTgt spid="13315">
-                                            <p:txEl>
-                                              <p:pRg st="0" end="0"/>
-                                            </p:txEl>
-                                          </p:spTgt>
-                                        </p:tgtEl>
-                                      </p:cBhvr>
-                                    </p:animEffect>
-                                  </p:childTnLst>
-                                </p:cTn>
-                              </p:par>
-                            </p:childTnLst>
-                          </p:cTn>
-                        </p:par>
-                      </p:childTnLst>
-                    </p:cTn>
-                  </p:par>
-                  <p:par>
-                    <p:cTn id="13" fill="hold" nodeType="clickPar">
-                      <p:stCondLst>
-                        <p:cond delay="indefinite"/>
-                      </p:stCondLst>
-                      <p:childTnLst>
-                        <p:par>
-                          <p:cTn id="14" fill="hold" nodeType="withGroup">
-                            <p:stCondLst>
-                              <p:cond delay="0"/>
-                            </p:stCondLst>
-                            <p:childTnLst>
-                              <p:par>
-                                <p:cTn id="15" presetID="22" presetClass="entr" presetSubtype="8" fill="hold" grpId="0" nodeType="clickEffect">
-                                  <p:stCondLst>
-                                    <p:cond delay="0"/>
-                                  </p:stCondLst>
-                                  <p:childTnLst>
-                                    <p:set>
-                                      <p:cBhvr>
-                                        <p:cTn id="16" dur="1" fill="hold">
-                                          <p:stCondLst>
-                                            <p:cond delay="0"/>
-                                          </p:stCondLst>
-                                        </p:cTn>
-                                        <p:tgtEl>
-                                          <p:spTgt spid="13315">
-                                            <p:txEl>
-                                              <p:pRg st="1" end="1"/>
-                                            </p:txEl>
-                                          </p:spTgt>
-                                        </p:tgtEl>
-                                        <p:attrNameLst>
-                                          <p:attrName>style.visibility</p:attrName>
-                                        </p:attrNameLst>
-                                      </p:cBhvr>
-                                      <p:to>
-                                        <p:strVal val="visible"/>
-                                      </p:to>
-                                    </p:set>
-                                    <p:animEffect transition="in" filter="wipe(left)">
-                                      <p:cBhvr>
-                                        <p:cTn id="17" dur="500"/>
-                                        <p:tgtEl>
-                                          <p:spTgt spid="13315">
-                                            <p:txEl>
-                                              <p:pRg st="1" end="1"/>
-                                            </p:txEl>
-                                          </p:spTgt>
-                                        </p:tgtEl>
-                                      </p:cBhvr>
-                                    </p:animEffect>
-                                  </p:childTnLst>
-                                </p:cTn>
-                              </p:par>
-                            </p:childTnLst>
-                          </p:cTn>
-                        </p:par>
-                      </p:childTnLst>
-                    </p:cTn>
-                  </p:par>
-                  <p:par>
-                    <p:cTn id="18" fill="hold" nodeType="clickPar">
-                      <p:stCondLst>
-                        <p:cond delay="indefinite"/>
-                      </p:stCondLst>
-                      <p:childTnLst>
-                        <p:par>
-                          <p:cTn id="19" fill="hold" nodeType="withGroup">
-                            <p:stCondLst>
-                              <p:cond delay="0"/>
-                            </p:stCondLst>
-                            <p:childTnLst>
-                              <p:par>
-                                <p:cTn id="20" presetID="22" presetClass="entr" presetSubtype="8" fill="hold" grpId="0" nodeType="clickEffect">
-                                  <p:stCondLst>
-                                    <p:cond delay="0"/>
-                                  </p:stCondLst>
-                                  <p:childTnLst>
-                                    <p:set>
-                                      <p:cBhvr>
-                                        <p:cTn id="21" dur="1" fill="hold">
-                                          <p:stCondLst>
-                                            <p:cond delay="0"/>
-                                          </p:stCondLst>
-                                        </p:cTn>
-                                        <p:tgtEl>
-                                          <p:spTgt spid="13315">
-                                            <p:txEl>
-                                              <p:pRg st="2" end="2"/>
-                                            </p:txEl>
-                                          </p:spTgt>
-                                        </p:tgtEl>
-                                        <p:attrNameLst>
-                                          <p:attrName>style.visibility</p:attrName>
-                                        </p:attrNameLst>
-                                      </p:cBhvr>
-                                      <p:to>
-                                        <p:strVal val="visible"/>
-                                      </p:to>
-                                    </p:set>
-                                    <p:animEffect transition="in" filter="wipe(left)">
-                                      <p:cBhvr>
-                                        <p:cTn id="22" dur="500"/>
-                                        <p:tgtEl>
-                                          <p:spTgt spid="13315">
-                                            <p:txEl>
-                                              <p:pRg st="2" end="2"/>
-                                            </p:txEl>
-                                          </p:spTgt>
-                                        </p:tgtEl>
-                                      </p:cBhvr>
-                                    </p:animEffect>
-                                  </p:childTnLst>
-                                </p:cTn>
-                              </p:par>
-                            </p:childTnLst>
-                          </p:cTn>
-                        </p:par>
-                      </p:childTnLst>
-                    </p:cTn>
-                  </p:par>
-                  <p:par>
-                    <p:cTn id="23" fill="hold" nodeType="clickPar">
-                      <p:stCondLst>
-                        <p:cond delay="indefinite"/>
-                      </p:stCondLst>
-                      <p:childTnLst>
-                        <p:par>
-                          <p:cTn id="24" fill="hold" nodeType="withGroup">
-                            <p:stCondLst>
-                              <p:cond delay="0"/>
-                            </p:stCondLst>
-                            <p:childTnLst>
-                              <p:par>
-                                <p:cTn id="25" presetID="22" presetClass="entr" presetSubtype="8" fill="hold" grpId="0" nodeType="clickEffect">
-                                  <p:stCondLst>
-                                    <p:cond delay="0"/>
-                                  </p:stCondLst>
-                                  <p:childTnLst>
-                                    <p:set>
-                                      <p:cBhvr>
-                                        <p:cTn id="26" dur="1" fill="hold">
-                                          <p:stCondLst>
-                                            <p:cond delay="0"/>
-                                          </p:stCondLst>
-                                        </p:cTn>
-                                        <p:tgtEl>
-                                          <p:spTgt spid="13315">
-                                            <p:txEl>
-                                              <p:pRg st="3" end="3"/>
-                                            </p:txEl>
-                                          </p:spTgt>
-                                        </p:tgtEl>
-                                        <p:attrNameLst>
-                                          <p:attrName>style.visibility</p:attrName>
-                                        </p:attrNameLst>
-                                      </p:cBhvr>
-                                      <p:to>
-                                        <p:strVal val="visible"/>
-                                      </p:to>
-                                    </p:set>
-                                    <p:animEffect transition="in" filter="wipe(left)">
-                                      <p:cBhvr>
-                                        <p:cTn id="27" dur="500"/>
-                                        <p:tgtEl>
-                                          <p:spTgt spid="13315">
-                                            <p:txEl>
-                                              <p:pRg st="3" end="3"/>
-                                            </p:txEl>
-                                          </p:spTgt>
-                                        </p:tgtEl>
-                                      </p:cBhvr>
-                                    </p:animEffect>
-                                  </p:childTnLst>
-                                </p:cTn>
-                              </p:par>
-                            </p:childTnLst>
-                          </p:cTn>
-                        </p:par>
-                      </p:childTnLst>
-                    </p:cTn>
-                  </p:par>
-                </p:childTnLst>
-              </p:cTn>
-              <p:prevCondLst>
-                <p:cond evt="onPrev" delay="0">
-                  <p:tgtEl>
-                    <p:sldTgt/>
-                  </p:tgtEl>
-                </p:cond>
-              </p:prevCondLst>
-              <p:nextCondLst>
-                <p:cond evt="onNext" delay="0">
-                  <p:tgtEl>
-                    <p:sldTgt/>
-                  </p:tgtEl>
-                </p:cond>
-              </p:nextCondLst>
-            </p:seq>
-          </p:childTnLst>
-        </p:cTn>
-      </p:par>
-    </p:tnLst>
-    <p:bldLst>
-      <p:bldP spid="13315" grpId="0" build="p"/>
-      <p:bldP spid="13317" grpId="0"/>
-    </p:bldLst>
-  </p:timing>
-</p:sld>
-</file>
-
-<file path=ppt/slides/slide11.xml><?xml version="1.0" encoding="utf-8"?>
 <p:sld xmlns:a="http://schemas.openxmlformats.org/drawingml/2006/main" xmlns:r="http://schemas.openxmlformats.org/officeDocument/2006/relationships" xmlns:p="http://schemas.openxmlformats.org/presentationml/2006/main">
   <p:cSld>
     <p:spTree>
@@ -11217,7 +10484,7 @@
 </p:sld>
 </file>
 
-<file path=ppt/slides/slide12.xml><?xml version="1.0" encoding="utf-8"?>
+<file path=ppt/slides/slide11.xml><?xml version="1.0" encoding="utf-8"?>
 <p:sld xmlns:a="http://schemas.openxmlformats.org/drawingml/2006/main" xmlns:r="http://schemas.openxmlformats.org/officeDocument/2006/relationships" xmlns:p="http://schemas.openxmlformats.org/presentationml/2006/main">
   <p:cSld>
     <p:spTree>
@@ -11251,7 +10518,7 @@
           <a:p>
             <a:r>
               <a:rPr lang="en-US" dirty="0" smtClean="0"/>
-              <a:t>WOD</a:t>
+              <a:t>Demo</a:t>
             </a:r>
             <a:endParaRPr lang="en-US" dirty="0"/>
           </a:p>
@@ -11274,7 +10541,7 @@
           <a:p>
             <a:r>
               <a:rPr lang="en-US" dirty="0" smtClean="0"/>
-              <a:t>Hello World Import &amp; Export</a:t>
+              <a:t>Circle</a:t>
             </a:r>
             <a:endParaRPr lang="en-US" dirty="0"/>
           </a:p>
@@ -11293,7 +10560,7 @@
 </p:sld>
 </file>
 
-<file path=ppt/slides/slide13.xml><?xml version="1.0" encoding="utf-8"?>
+<file path=ppt/slides/slide12.xml><?xml version="1.0" encoding="utf-8"?>
 <p:sld xmlns:a="http://schemas.openxmlformats.org/drawingml/2006/main" xmlns:r="http://schemas.openxmlformats.org/officeDocument/2006/relationships" xmlns:p="http://schemas.openxmlformats.org/presentationml/2006/main">
   <p:cSld>
     <p:spTree>
@@ -11331,7 +10598,7 @@
                 <a:latin typeface="Calibri"/>
                 <a:cs typeface="Calibri"/>
               </a:rPr>
-              <a:t>Submit your WOD</a:t>
+              <a:t>Defining a Circle</a:t>
             </a:r>
             <a:endParaRPr lang="en-US" dirty="0">
               <a:latin typeface="Calibri"/>
@@ -11350,77 +10617,162 @@
             <p:ph idx="1"/>
           </p:nvPr>
         </p:nvSpPr>
-        <p:spPr/>
+        <p:spPr>
+          <a:xfrm>
+            <a:off x="457200" y="1600200"/>
+            <a:ext cx="8229600" cy="4833041"/>
+          </a:xfrm>
+        </p:spPr>
         <p:txBody>
-          <a:bodyPr/>
+          <a:bodyPr>
+            <a:normAutofit lnSpcReduction="10000"/>
+          </a:bodyPr>
           <a:lstStyle/>
           <a:p>
-            <a:pPr eaLnBrk="1" hangingPunct="1"/>
             <a:r>
               <a:rPr lang="en-US" dirty="0">
-                <a:latin typeface="Calibri"/>
                 <a:cs typeface="Calibri"/>
               </a:rPr>
-              <a:t>Right-click on your project folder, select</a:t>
-            </a:r>
-          </a:p>
-          <a:p>
-            <a:pPr lvl="1" eaLnBrk="1" hangingPunct="1"/>
-            <a:r>
-              <a:rPr lang="en-US" dirty="0">
-                <a:latin typeface="Calibri"/>
-                <a:ea typeface="ＭＳ Ｐゴシック" charset="0"/>
+              <a:t>Create a new Java project </a:t>
+            </a:r>
+            <a:r>
+              <a:rPr lang="en-US" dirty="0" err="1" smtClean="0">
                 <a:cs typeface="Calibri"/>
               </a:rPr>
-              <a:t>“Export &gt; General &gt; Archive File”</a:t>
-            </a:r>
-          </a:p>
-          <a:p>
-            <a:pPr eaLnBrk="1" hangingPunct="1"/>
-            <a:r>
-              <a:rPr lang="en-US" dirty="0">
-                <a:latin typeface="Calibri"/>
-                <a:cs typeface="Calibri"/>
-              </a:rPr>
-              <a:t>Name it “</a:t>
-            </a:r>
-            <a:r>
-              <a:rPr lang="en-US" dirty="0" err="1" smtClean="0">
-                <a:latin typeface="Calibri"/>
-                <a:cs typeface="Calibri"/>
-              </a:rPr>
-              <a:t>HelloWorld_uLogin</a:t>
-            </a:r>
-            <a:r>
-              <a:rPr lang="en-US" dirty="0" smtClean="0">
-                <a:latin typeface="Calibri"/>
-                <a:cs typeface="Calibri"/>
-              </a:rPr>
-              <a:t>”</a:t>
+              <a:t>Shapes_uLogin</a:t>
             </a:r>
             <a:endParaRPr lang="en-US" dirty="0">
-              <a:latin typeface="Calibri"/>
               <a:cs typeface="Calibri"/>
             </a:endParaRPr>
           </a:p>
           <a:p>
-            <a:pPr eaLnBrk="1" hangingPunct="1"/>
             <a:r>
               <a:rPr lang="en-US" dirty="0">
-                <a:latin typeface="Calibri"/>
                 <a:cs typeface="Calibri"/>
               </a:rPr>
-              <a:t>Upload to </a:t>
+              <a:t>Create a </a:t>
             </a:r>
             <a:r>
               <a:rPr lang="en-US" dirty="0" smtClean="0">
-                <a:latin typeface="Calibri"/>
                 <a:cs typeface="Calibri"/>
               </a:rPr>
-              <a:t>Moodle</a:t>
+              <a:t>Circle class </a:t>
+            </a:r>
+            <a:r>
+              <a:rPr lang="en-US" dirty="0">
+                <a:cs typeface="Calibri"/>
+              </a:rPr>
+              <a:t>with:</a:t>
+            </a:r>
+          </a:p>
+          <a:p>
+            <a:pPr lvl="1"/>
+            <a:r>
+              <a:rPr lang="en-US" dirty="0" smtClean="0">
+                <a:cs typeface="Calibri"/>
+              </a:rPr>
+              <a:t>fields </a:t>
+            </a:r>
+            <a:r>
+              <a:rPr lang="en-US" dirty="0">
+                <a:cs typeface="Calibri"/>
+              </a:rPr>
+              <a:t>for x position, y position, </a:t>
+            </a:r>
+            <a:r>
+              <a:rPr lang="en-US" dirty="0" smtClean="0">
+                <a:cs typeface="Calibri"/>
+              </a:rPr>
+              <a:t>color, and radius</a:t>
             </a:r>
             <a:endParaRPr lang="en-US" dirty="0">
-              <a:latin typeface="Calibri"/>
+              <a:cs typeface="Calibri"/>
+            </a:endParaRPr>
+          </a:p>
+          <a:p>
+            <a:pPr lvl="1"/>
+            <a:r>
+              <a:rPr lang="en-US" dirty="0" smtClean="0">
+                <a:cs typeface="Calibri"/>
+              </a:rPr>
+              <a:t>default </a:t>
+            </a:r>
+            <a:r>
+              <a:rPr lang="en-US" dirty="0">
+                <a:cs typeface="Calibri"/>
+              </a:rPr>
+              <a:t>constructor </a:t>
+            </a:r>
+            <a:r>
+              <a:rPr lang="en-US" dirty="0" smtClean="0">
+                <a:cs typeface="Calibri"/>
+              </a:rPr>
+              <a:t>&amp; </a:t>
+            </a:r>
+            <a:r>
+              <a:rPr lang="en-US" dirty="0">
+                <a:cs typeface="Calibri"/>
+              </a:rPr>
+              <a:t>constructor with parameters</a:t>
+            </a:r>
+          </a:p>
+          <a:p>
+            <a:pPr lvl="2"/>
+            <a:r>
+              <a:rPr lang="en-US" dirty="0">
+                <a:cs typeface="Calibri"/>
+              </a:rPr>
+              <a:t>Default constructors have no parameters, you need to set the fields to be actual values</a:t>
+            </a:r>
+          </a:p>
+          <a:p>
+            <a:pPr lvl="1"/>
+            <a:r>
+              <a:rPr lang="en-US" dirty="0">
+                <a:cs typeface="Calibri"/>
+              </a:rPr>
+              <a:t>Add getter &amp; setter methods</a:t>
+            </a:r>
+          </a:p>
+          <a:p>
+            <a:pPr lvl="1"/>
+            <a:r>
+              <a:rPr lang="en-US" dirty="0" smtClean="0">
+                <a:cs typeface="Calibri"/>
+              </a:rPr>
+              <a:t>Add </a:t>
+            </a:r>
+            <a:r>
+              <a:rPr lang="en-US" dirty="0" err="1" smtClean="0">
+                <a:cs typeface="Calibri"/>
+              </a:rPr>
+              <a:t>paintComponent</a:t>
+            </a:r>
+            <a:r>
+              <a:rPr lang="en-US" dirty="0" smtClean="0">
+                <a:cs typeface="Calibri"/>
+              </a:rPr>
+              <a:t> &amp; main methods using </a:t>
+            </a:r>
+            <a:r>
+              <a:rPr lang="en-US" dirty="0" err="1" smtClean="0">
+                <a:cs typeface="Calibri"/>
+              </a:rPr>
+              <a:t>HelloWorldGUI</a:t>
+            </a:r>
+            <a:r>
+              <a:rPr lang="en-US" dirty="0" smtClean="0">
+                <a:cs typeface="Calibri"/>
+              </a:rPr>
+              <a:t> as an example (see </a:t>
+            </a:r>
+            <a:r>
+              <a:rPr lang="en-US" smtClean="0">
+                <a:cs typeface="Calibri"/>
+              </a:rPr>
+              <a:t>next slide)</a:t>
+            </a:r>
+            <a:endParaRPr lang="en-US" dirty="0">
               <a:cs typeface="Calibri"/>
             </a:endParaRPr>
           </a:p>
@@ -11500,15 +10852,33 @@
                                   </p:childTnLst>
                                 </p:cTn>
                               </p:par>
+                            </p:childTnLst>
+                          </p:cTn>
+                        </p:par>
+                      </p:childTnLst>
+                    </p:cTn>
+                  </p:par>
+                  <p:par>
+                    <p:cTn id="8" fill="hold">
+                      <p:stCondLst>
+                        <p:cond delay="indefinite"/>
+                      </p:stCondLst>
+                      <p:childTnLst>
+                        <p:par>
+                          <p:cTn id="9" fill="hold">
+                            <p:stCondLst>
+                              <p:cond delay="0"/>
+                            </p:stCondLst>
+                            <p:childTnLst>
                               <p:par>
-                                <p:cTn id="8" presetID="22" presetClass="entr" presetSubtype="8" fill="hold" grpId="0" nodeType="withEffect">
+                                <p:cTn id="10" presetID="22" presetClass="entr" presetSubtype="8" fill="hold" grpId="0" nodeType="clickEffect">
                                   <p:stCondLst>
                                     <p:cond delay="0"/>
                                   </p:stCondLst>
                                   <p:childTnLst>
                                     <p:set>
                                       <p:cBhvr>
-                                        <p:cTn id="9" dur="1" fill="hold">
+                                        <p:cTn id="11" dur="1" fill="hold">
                                           <p:stCondLst>
                                             <p:cond delay="0"/>
                                           </p:stCondLst>
@@ -11530,7 +10900,7 @@
                                     </p:set>
                                     <p:animEffect transition="in" filter="wipe(left)">
                                       <p:cBhvr>
-                                        <p:cTn id="10" dur="500"/>
+                                        <p:cTn id="12" dur="500"/>
                                         <p:tgtEl>
                                           <p:spTgt spid="3">
                                             <p:txEl>
@@ -11543,26 +10913,8 @@
                                   </p:childTnLst>
                                 </p:cTn>
                               </p:par>
-                            </p:childTnLst>
-                          </p:cTn>
-                        </p:par>
-                      </p:childTnLst>
-                    </p:cTn>
-                  </p:par>
-                  <p:par>
-                    <p:cTn id="11" fill="hold" nodeType="clickPar">
-                      <p:stCondLst>
-                        <p:cond delay="indefinite"/>
-                      </p:stCondLst>
-                      <p:childTnLst>
-                        <p:par>
-                          <p:cTn id="12" fill="hold" nodeType="withGroup">
-                            <p:stCondLst>
-                              <p:cond delay="0"/>
-                            </p:stCondLst>
-                            <p:childTnLst>
                               <p:par>
-                                <p:cTn id="13" presetID="22" presetClass="entr" presetSubtype="8" fill="hold" grpId="0" nodeType="clickEffect">
+                                <p:cTn id="13" presetID="22" presetClass="entr" presetSubtype="8" fill="hold" grpId="0" nodeType="withEffect">
                                   <p:stCondLst>
                                     <p:cond delay="0"/>
                                   </p:stCondLst>
@@ -11604,33 +10956,15 @@
                                   </p:childTnLst>
                                 </p:cTn>
                               </p:par>
-                            </p:childTnLst>
-                          </p:cTn>
-                        </p:par>
-                      </p:childTnLst>
-                    </p:cTn>
-                  </p:par>
-                  <p:par>
-                    <p:cTn id="16" fill="hold" nodeType="clickPar">
-                      <p:stCondLst>
-                        <p:cond delay="indefinite"/>
-                      </p:stCondLst>
-                      <p:childTnLst>
-                        <p:par>
-                          <p:cTn id="17" fill="hold" nodeType="withGroup">
-                            <p:stCondLst>
-                              <p:cond delay="0"/>
-                            </p:stCondLst>
-                            <p:childTnLst>
                               <p:par>
-                                <p:cTn id="18" presetID="22" presetClass="entr" presetSubtype="8" fill="hold" grpId="0" nodeType="clickEffect">
+                                <p:cTn id="16" presetID="22" presetClass="entr" presetSubtype="8" fill="hold" grpId="0" nodeType="withEffect">
                                   <p:stCondLst>
                                     <p:cond delay="0"/>
                                   </p:stCondLst>
                                   <p:childTnLst>
                                     <p:set>
                                       <p:cBhvr>
-                                        <p:cTn id="19" dur="1" fill="hold">
+                                        <p:cTn id="17" dur="1" fill="hold">
                                           <p:stCondLst>
                                             <p:cond delay="0"/>
                                           </p:stCondLst>
@@ -11652,11 +10986,140 @@
                                     </p:set>
                                     <p:animEffect transition="in" filter="wipe(left)">
                                       <p:cBhvr>
-                                        <p:cTn id="20" dur="500"/>
+                                        <p:cTn id="18" dur="500"/>
                                         <p:tgtEl>
                                           <p:spTgt spid="3">
                                             <p:txEl>
                                               <p:pRg st="3" end="3"/>
+                                            </p:txEl>
+                                          </p:spTgt>
+                                        </p:tgtEl>
+                                      </p:cBhvr>
+                                    </p:animEffect>
+                                  </p:childTnLst>
+                                </p:cTn>
+                              </p:par>
+                              <p:par>
+                                <p:cTn id="19" presetID="22" presetClass="entr" presetSubtype="8" fill="hold" grpId="0" nodeType="withEffect">
+                                  <p:stCondLst>
+                                    <p:cond delay="0"/>
+                                  </p:stCondLst>
+                                  <p:childTnLst>
+                                    <p:set>
+                                      <p:cBhvr>
+                                        <p:cTn id="20" dur="1" fill="hold">
+                                          <p:stCondLst>
+                                            <p:cond delay="0"/>
+                                          </p:stCondLst>
+                                        </p:cTn>
+                                        <p:tgtEl>
+                                          <p:spTgt spid="3">
+                                            <p:txEl>
+                                              <p:pRg st="4" end="4"/>
+                                            </p:txEl>
+                                          </p:spTgt>
+                                        </p:tgtEl>
+                                        <p:attrNameLst>
+                                          <p:attrName>style.visibility</p:attrName>
+                                        </p:attrNameLst>
+                                      </p:cBhvr>
+                                      <p:to>
+                                        <p:strVal val="visible"/>
+                                      </p:to>
+                                    </p:set>
+                                    <p:animEffect transition="in" filter="wipe(left)">
+                                      <p:cBhvr>
+                                        <p:cTn id="21" dur="500"/>
+                                        <p:tgtEl>
+                                          <p:spTgt spid="3">
+                                            <p:txEl>
+                                              <p:pRg st="4" end="4"/>
+                                            </p:txEl>
+                                          </p:spTgt>
+                                        </p:tgtEl>
+                                      </p:cBhvr>
+                                    </p:animEffect>
+                                  </p:childTnLst>
+                                </p:cTn>
+                              </p:par>
+                              <p:par>
+                                <p:cTn id="22" presetID="22" presetClass="entr" presetSubtype="8" fill="hold" grpId="0" nodeType="withEffect">
+                                  <p:stCondLst>
+                                    <p:cond delay="0"/>
+                                  </p:stCondLst>
+                                  <p:childTnLst>
+                                    <p:set>
+                                      <p:cBhvr>
+                                        <p:cTn id="23" dur="1" fill="hold">
+                                          <p:stCondLst>
+                                            <p:cond delay="0"/>
+                                          </p:stCondLst>
+                                        </p:cTn>
+                                        <p:tgtEl>
+                                          <p:spTgt spid="3">
+                                            <p:txEl>
+                                              <p:pRg st="5" end="5"/>
+                                            </p:txEl>
+                                          </p:spTgt>
+                                        </p:tgtEl>
+                                        <p:attrNameLst>
+                                          <p:attrName>style.visibility</p:attrName>
+                                        </p:attrNameLst>
+                                      </p:cBhvr>
+                                      <p:to>
+                                        <p:strVal val="visible"/>
+                                      </p:to>
+                                    </p:set>
+                                    <p:animEffect transition="in" filter="wipe(left)">
+                                      <p:cBhvr>
+                                        <p:cTn id="24" dur="500"/>
+                                        <p:tgtEl>
+                                          <p:spTgt spid="3">
+                                            <p:txEl>
+                                              <p:pRg st="5" end="5"/>
+                                            </p:txEl>
+                                          </p:spTgt>
+                                        </p:tgtEl>
+                                      </p:cBhvr>
+                                    </p:animEffect>
+                                  </p:childTnLst>
+                                </p:cTn>
+                              </p:par>
+                              <p:par>
+                                <p:cTn id="25" presetID="22" presetClass="entr" presetSubtype="8" fill="hold" grpId="0" nodeType="withEffect">
+                                  <p:stCondLst>
+                                    <p:cond delay="0"/>
+                                  </p:stCondLst>
+                                  <p:childTnLst>
+                                    <p:set>
+                                      <p:cBhvr>
+                                        <p:cTn id="26" dur="1" fill="hold">
+                                          <p:stCondLst>
+                                            <p:cond delay="0"/>
+                                          </p:stCondLst>
+                                        </p:cTn>
+                                        <p:tgtEl>
+                                          <p:spTgt spid="3">
+                                            <p:txEl>
+                                              <p:pRg st="6" end="6"/>
+                                            </p:txEl>
+                                          </p:spTgt>
+                                        </p:tgtEl>
+                                        <p:attrNameLst>
+                                          <p:attrName>style.visibility</p:attrName>
+                                        </p:attrNameLst>
+                                      </p:cBhvr>
+                                      <p:to>
+                                        <p:strVal val="visible"/>
+                                      </p:to>
+                                    </p:set>
+                                    <p:animEffect transition="in" filter="wipe(left)">
+                                      <p:cBhvr>
+                                        <p:cTn id="27" dur="500"/>
+                                        <p:tgtEl>
+                                          <p:spTgt spid="3">
+                                            <p:txEl>
+                                              <p:pRg st="6" end="6"/>
                                             </p:txEl>
                                           </p:spTgt>
                                         </p:tgtEl>
@@ -11696,6 +11159,112 @@
       <p:bldP spid="3" grpId="0" build="p"/>
     </p:bldLst>
   </p:timing>
+</p:sld>
+</file>
+
+<file path=ppt/slides/slide13.xml><?xml version="1.0" encoding="utf-8"?>
+<p:sld xmlns:a="http://schemas.openxmlformats.org/drawingml/2006/main" xmlns:r="http://schemas.openxmlformats.org/officeDocument/2006/relationships" xmlns:p="http://schemas.openxmlformats.org/presentationml/2006/main">
+  <p:cSld>
+    <p:spTree>
+      <p:nvGrpSpPr>
+        <p:cNvPr id="1" name=""/>
+        <p:cNvGrpSpPr/>
+        <p:nvPr/>
+      </p:nvGrpSpPr>
+      <p:grpSpPr>
+        <a:xfrm>
+          <a:off x="0" y="0"/>
+          <a:ext cx="0" cy="0"/>
+          <a:chOff x="0" y="0"/>
+          <a:chExt cx="0" cy="0"/>
+        </a:xfrm>
+      </p:grpSpPr>
+      <p:sp>
+        <p:nvSpPr>
+          <p:cNvPr id="2" name="Title 1"/>
+          <p:cNvSpPr>
+            <a:spLocks noGrp="1"/>
+          </p:cNvSpPr>
+          <p:nvPr>
+            <p:ph type="title"/>
+          </p:nvPr>
+        </p:nvSpPr>
+        <p:spPr>
+          <a:xfrm>
+            <a:off x="457200" y="0"/>
+            <a:ext cx="8229600" cy="1006225"/>
+          </a:xfrm>
+        </p:spPr>
+        <p:txBody>
+          <a:bodyPr/>
+          <a:lstStyle/>
+          <a:p>
+            <a:r>
+              <a:rPr lang="en-US" dirty="0" smtClean="0"/>
+              <a:t>Drawing a circle &amp; main</a:t>
+            </a:r>
+            <a:endParaRPr lang="en-US" dirty="0"/>
+          </a:p>
+        </p:txBody>
+      </p:sp>
+      <p:pic>
+        <p:nvPicPr>
+          <p:cNvPr id="6" name="Picture 5"/>
+          <p:cNvPicPr>
+            <a:picLocks noChangeAspect="1"/>
+          </p:cNvPicPr>
+          <p:nvPr/>
+        </p:nvPicPr>
+        <p:blipFill>
+          <a:blip r:embed="rId2"/>
+          <a:stretch>
+            <a:fillRect/>
+          </a:stretch>
+        </p:blipFill>
+        <p:spPr>
+          <a:xfrm>
+            <a:off x="230916" y="1182257"/>
+            <a:ext cx="8925084" cy="1407541"/>
+          </a:xfrm>
+          <a:prstGeom prst="rect">
+            <a:avLst/>
+          </a:prstGeom>
+        </p:spPr>
+      </p:pic>
+      <p:pic>
+        <p:nvPicPr>
+          <p:cNvPr id="7" name="Picture 6"/>
+          <p:cNvPicPr>
+            <a:picLocks noChangeAspect="1"/>
+          </p:cNvPicPr>
+          <p:nvPr/>
+        </p:nvPicPr>
+        <p:blipFill>
+          <a:blip r:embed="rId3"/>
+          <a:stretch>
+            <a:fillRect/>
+          </a:stretch>
+        </p:blipFill>
+        <p:spPr>
+          <a:xfrm>
+            <a:off x="144002" y="2556800"/>
+            <a:ext cx="8571154" cy="4301199"/>
+          </a:xfrm>
+          <a:prstGeom prst="rect">
+            <a:avLst/>
+          </a:prstGeom>
+        </p:spPr>
+      </p:pic>
+    </p:spTree>
+    <p:extLst>
+      <p:ext uri="{BB962C8B-B14F-4D97-AF65-F5344CB8AC3E}">
+        <p14:creationId xmlns:p14="http://schemas.microsoft.com/office/powerpoint/2010/main" val="2445509220"/>
+      </p:ext>
+    </p:extLst>
+  </p:cSld>
+  <p:clrMapOvr>
+    <a:masterClrMapping/>
+  </p:clrMapOvr>
 </p:sld>
 </file>
 
@@ -13275,79 +12844,7 @@
 </file>
 
 <file path=ppt/slides/slide2.xml><?xml version="1.0" encoding="utf-8"?>
-<p:sld xmlns:a="http://schemas.openxmlformats.org/drawingml/2006/main" xmlns:r="http://schemas.openxmlformats.org/officeDocument/2006/relationships" xmlns:p="http://schemas.openxmlformats.org/presentationml/2006/main">
-  <p:cSld>
-    <p:spTree>
-      <p:nvGrpSpPr>
-        <p:cNvPr id="1" name=""/>
-        <p:cNvGrpSpPr/>
-        <p:nvPr/>
-      </p:nvGrpSpPr>
-      <p:grpSpPr>
-        <a:xfrm>
-          <a:off x="0" y="0"/>
-          <a:ext cx="0" cy="0"/>
-          <a:chOff x="0" y="0"/>
-          <a:chExt cx="0" cy="0"/>
-        </a:xfrm>
-      </p:grpSpPr>
-      <p:sp>
-        <p:nvSpPr>
-          <p:cNvPr id="2" name="Title 1"/>
-          <p:cNvSpPr>
-            <a:spLocks noGrp="1"/>
-          </p:cNvSpPr>
-          <p:nvPr>
-            <p:ph type="ctrTitle"/>
-          </p:nvPr>
-        </p:nvSpPr>
-        <p:spPr/>
-        <p:txBody>
-          <a:bodyPr/>
-          <a:lstStyle/>
-          <a:p>
-            <a:r>
-              <a:rPr lang="en-US" dirty="0" smtClean="0"/>
-              <a:t>Defining a Class</a:t>
-            </a:r>
-            <a:endParaRPr lang="en-US" dirty="0"/>
-          </a:p>
-        </p:txBody>
-      </p:sp>
-      <p:sp>
-        <p:nvSpPr>
-          <p:cNvPr id="3" name="Subtitle 2"/>
-          <p:cNvSpPr>
-            <a:spLocks noGrp="1"/>
-          </p:cNvSpPr>
-          <p:nvPr>
-            <p:ph type="subTitle" idx="1"/>
-          </p:nvPr>
-        </p:nvSpPr>
-        <p:spPr/>
-        <p:txBody>
-          <a:bodyPr/>
-          <a:lstStyle/>
-          <a:p>
-            <a:endParaRPr lang="en-US"/>
-          </a:p>
-        </p:txBody>
-      </p:sp>
-    </p:spTree>
-    <p:extLst>
-      <p:ext uri="{BB962C8B-B14F-4D97-AF65-F5344CB8AC3E}">
-        <p14:creationId xmlns:p14="http://schemas.microsoft.com/office/powerpoint/2010/main" val="1219229067"/>
-      </p:ext>
-    </p:extLst>
-  </p:cSld>
-  <p:clrMapOvr>
-    <a:masterClrMapping/>
-  </p:clrMapOvr>
-</p:sld>
-</file>
-
-<file path=ppt/slides/slide3.xml><?xml version="1.0" encoding="utf-8"?>
-<p:sld xmlns:a="http://schemas.openxmlformats.org/drawingml/2006/main" xmlns:r="http://schemas.openxmlformats.org/officeDocument/2006/relationships" xmlns:p="http://schemas.openxmlformats.org/presentationml/2006/main">
+<p:sld xmlns:a="http://schemas.openxmlformats.org/drawingml/2006/main" xmlns:r="http://schemas.openxmlformats.org/officeDocument/2006/relationships" xmlns:p="http://schemas.openxmlformats.org/presentationml/2006/main" show="0">
   <p:cSld>
     <p:spTree>
       <p:nvGrpSpPr>
@@ -16053,7 +15550,7 @@
 </p:sld>
 </file>
 
-<file path=ppt/slides/slide4.xml><?xml version="1.0" encoding="utf-8"?>
+<file path=ppt/slides/slide3.xml><?xml version="1.0" encoding="utf-8"?>
 <p:sld xmlns:a="http://schemas.openxmlformats.org/drawingml/2006/main" xmlns:r="http://schemas.openxmlformats.org/officeDocument/2006/relationships" xmlns:p="http://schemas.openxmlformats.org/presentationml/2006/main">
   <p:cSld>
     <p:spTree>
@@ -16827,7 +16324,7 @@
 </p:sld>
 </file>
 
-<file path=ppt/slides/slide5.xml><?xml version="1.0" encoding="utf-8"?>
+<file path=ppt/slides/slide4.xml><?xml version="1.0" encoding="utf-8"?>
 <p:sld xmlns:a="http://schemas.openxmlformats.org/drawingml/2006/main" xmlns:r="http://schemas.openxmlformats.org/officeDocument/2006/relationships" xmlns:p="http://schemas.openxmlformats.org/presentationml/2006/main">
   <p:cSld>
     <p:spTree>
@@ -18779,7 +18276,7 @@
 </p:sld>
 </file>
 
-<file path=ppt/slides/slide6.xml><?xml version="1.0" encoding="utf-8"?>
+<file path=ppt/slides/slide5.xml><?xml version="1.0" encoding="utf-8"?>
 <p:sld xmlns:a="http://schemas.openxmlformats.org/drawingml/2006/main" xmlns:r="http://schemas.openxmlformats.org/officeDocument/2006/relationships" xmlns:p="http://schemas.openxmlformats.org/presentationml/2006/main" show="0">
   <p:cSld>
     <p:spTree>
@@ -19895,7 +19392,7 @@
 </p:sld>
 </file>
 
-<file path=ppt/slides/slide7.xml><?xml version="1.0" encoding="utf-8"?>
+<file path=ppt/slides/slide6.xml><?xml version="1.0" encoding="utf-8"?>
 <p:sld xmlns:a="http://schemas.openxmlformats.org/drawingml/2006/main" xmlns:r="http://schemas.openxmlformats.org/officeDocument/2006/relationships" xmlns:p="http://schemas.openxmlformats.org/presentationml/2006/main">
   <p:cSld>
     <p:spTree>
@@ -21464,7 +20961,7 @@
 </p:sld>
 </file>
 
-<file path=ppt/slides/slide8.xml><?xml version="1.0" encoding="utf-8"?>
+<file path=ppt/slides/slide7.xml><?xml version="1.0" encoding="utf-8"?>
 <p:sld xmlns:a="http://schemas.openxmlformats.org/drawingml/2006/main" xmlns:r="http://schemas.openxmlformats.org/officeDocument/2006/relationships" xmlns:p="http://schemas.openxmlformats.org/presentationml/2006/main">
   <p:cSld>
     <p:spTree>
@@ -22692,7 +22189,7 @@
 </p:sld>
 </file>
 
-<file path=ppt/slides/slide9.xml><?xml version="1.0" encoding="utf-8"?>
+<file path=ppt/slides/slide8.xml><?xml version="1.0" encoding="utf-8"?>
 <p:sld xmlns:a="http://schemas.openxmlformats.org/drawingml/2006/main" xmlns:r="http://schemas.openxmlformats.org/officeDocument/2006/relationships" xmlns:p="http://schemas.openxmlformats.org/presentationml/2006/main">
   <p:cSld>
     <p:spTree>
@@ -23725,6 +23222,735 @@
     </p:tnLst>
     <p:bldLst>
       <p:bldP spid="62467" grpId="0" build="p"/>
+    </p:bldLst>
+  </p:timing>
+</p:sld>
+</file>
+
+<file path=ppt/slides/slide9.xml><?xml version="1.0" encoding="utf-8"?>
+<p:sld xmlns:a="http://schemas.openxmlformats.org/drawingml/2006/main" xmlns:r="http://schemas.openxmlformats.org/officeDocument/2006/relationships" xmlns:p="http://schemas.openxmlformats.org/presentationml/2006/main">
+  <p:cSld>
+    <p:spTree>
+      <p:nvGrpSpPr>
+        <p:cNvPr id="1" name=""/>
+        <p:cNvGrpSpPr/>
+        <p:nvPr/>
+      </p:nvGrpSpPr>
+      <p:grpSpPr>
+        <a:xfrm>
+          <a:off x="0" y="0"/>
+          <a:ext cx="0" cy="0"/>
+          <a:chOff x="0" y="0"/>
+          <a:chExt cx="0" cy="0"/>
+        </a:xfrm>
+      </p:grpSpPr>
+      <p:sp>
+        <p:nvSpPr>
+          <p:cNvPr id="49153" name="Rectangle 2"/>
+          <p:cNvSpPr>
+            <a:spLocks noGrp="1" noChangeArrowheads="1"/>
+          </p:cNvSpPr>
+          <p:nvPr>
+            <p:ph type="title"/>
+          </p:nvPr>
+        </p:nvSpPr>
+        <p:spPr/>
+        <p:txBody>
+          <a:bodyPr/>
+          <a:lstStyle/>
+          <a:p>
+            <a:pPr eaLnBrk="1" hangingPunct="1"/>
+            <a:r>
+              <a:rPr lang="en-US">
+                <a:latin typeface="Trebuchet MS" charset="0"/>
+                <a:ea typeface="MS PGothic" charset="0"/>
+                <a:cs typeface="Arial" charset="0"/>
+              </a:rPr>
+              <a:t>Constructors</a:t>
+            </a:r>
+          </a:p>
+        </p:txBody>
+      </p:sp>
+      <p:sp>
+        <p:nvSpPr>
+          <p:cNvPr id="13315" name="Rectangle 3"/>
+          <p:cNvSpPr>
+            <a:spLocks noGrp="1" noChangeArrowheads="1"/>
+          </p:cNvSpPr>
+          <p:nvPr>
+            <p:ph idx="1"/>
+          </p:nvPr>
+        </p:nvSpPr>
+        <p:spPr>
+          <a:xfrm>
+            <a:off x="228600" y="4114800"/>
+            <a:ext cx="8686800" cy="2286000"/>
+          </a:xfrm>
+        </p:spPr>
+        <p:txBody>
+          <a:bodyPr/>
+          <a:lstStyle/>
+          <a:p>
+            <a:pPr eaLnBrk="1" hangingPunct="1"/>
+            <a:r>
+              <a:rPr lang="en-US" sz="2400">
+                <a:latin typeface="Trebuchet MS" charset="0"/>
+                <a:ea typeface="MS PGothic" charset="0"/>
+                <a:cs typeface="Arial" charset="0"/>
+              </a:rPr>
+              <a:t>Constructors initialize an object.</a:t>
+            </a:r>
+          </a:p>
+          <a:p>
+            <a:pPr eaLnBrk="1" hangingPunct="1"/>
+            <a:r>
+              <a:rPr lang="en-US" sz="2400">
+                <a:latin typeface="Trebuchet MS" charset="0"/>
+                <a:ea typeface="MS PGothic" charset="0"/>
+                <a:cs typeface="Arial" charset="0"/>
+              </a:rPr>
+              <a:t>They have the same name as their class.</a:t>
+            </a:r>
+          </a:p>
+          <a:p>
+            <a:pPr eaLnBrk="1" hangingPunct="1"/>
+            <a:r>
+              <a:rPr lang="en-US" sz="2400">
+                <a:latin typeface="Trebuchet MS" charset="0"/>
+                <a:ea typeface="MS PGothic" charset="0"/>
+                <a:cs typeface="Arial" charset="0"/>
+              </a:rPr>
+              <a:t>They store initial values into the fields.</a:t>
+            </a:r>
+          </a:p>
+          <a:p>
+            <a:pPr eaLnBrk="1" hangingPunct="1"/>
+            <a:r>
+              <a:rPr lang="en-US" sz="2400">
+                <a:latin typeface="Trebuchet MS" charset="0"/>
+                <a:ea typeface="MS PGothic" charset="0"/>
+                <a:cs typeface="Arial" charset="0"/>
+              </a:rPr>
+              <a:t>They often receive external parameter values for this.</a:t>
+            </a:r>
+          </a:p>
+        </p:txBody>
+      </p:sp>
+      <p:sp>
+        <p:nvSpPr>
+          <p:cNvPr id="52227" name="Footer Placeholder 4"/>
+          <p:cNvSpPr>
+            <a:spLocks noGrp="1"/>
+          </p:cNvSpPr>
+          <p:nvPr>
+            <p:ph type="ftr" sz="quarter" idx="4294967295"/>
+          </p:nvPr>
+        </p:nvSpPr>
+        <p:spPr>
+          <a:xfrm>
+            <a:off x="3581400" y="6477000"/>
+            <a:ext cx="5562600" cy="307975"/>
+          </a:xfrm>
+        </p:spPr>
+        <p:txBody>
+          <a:bodyPr/>
+          <a:lstStyle/>
+          <a:p>
+            <a:pPr>
+              <a:defRPr/>
+            </a:pPr>
+            <a:r>
+              <a:rPr lang="en-GB" sz="1200" b="0">
+                <a:solidFill>
+                  <a:srgbClr val="685345"/>
+                </a:solidFill>
+                <a:ea typeface="ＭＳ Ｐゴシック" charset="-128"/>
+                <a:cs typeface="ＭＳ Ｐゴシック" charset="-128"/>
+              </a:rPr>
+              <a:t>Objects First with Java - A Practical Introduction using BlueJ, © David J. Barnes, Michael Kölling</a:t>
+            </a:r>
+          </a:p>
+        </p:txBody>
+      </p:sp>
+      <p:sp>
+        <p:nvSpPr>
+          <p:cNvPr id="13317" name="Text Box 5"/>
+          <p:cNvSpPr txBox="1">
+            <a:spLocks noChangeArrowheads="1"/>
+          </p:cNvSpPr>
+          <p:nvPr/>
+        </p:nvSpPr>
+        <p:spPr bwMode="auto">
+          <a:xfrm>
+            <a:off x="1968500" y="1208088"/>
+            <a:ext cx="4432300" cy="2678112"/>
+          </a:xfrm>
+          <a:prstGeom prst="rect">
+            <a:avLst/>
+          </a:prstGeom>
+          <a:noFill/>
+          <a:ln>
+            <a:noFill/>
+          </a:ln>
+          <a:extLst>
+            <a:ext uri="{909E8E84-426E-40dd-AFC4-6F175D3DCCD1}">
+              <a14:hiddenFill xmlns:a14="http://schemas.microsoft.com/office/drawing/2010/main">
+                <a:solidFill>
+                  <a:srgbClr val="FFFFFF"/>
+                </a:solidFill>
+              </a14:hiddenFill>
+            </a:ext>
+            <a:ext uri="{91240B29-F687-4f45-9708-019B960494DF}">
+              <a14:hiddenLine xmlns:a14="http://schemas.microsoft.com/office/drawing/2010/main" w="9525">
+                <a:solidFill>
+                  <a:srgbClr val="000000"/>
+                </a:solidFill>
+                <a:miter lim="800000"/>
+                <a:headEnd/>
+                <a:tailEnd/>
+              </a14:hiddenLine>
+            </a:ext>
+          </a:extLst>
+        </p:spPr>
+        <p:txBody>
+          <a:bodyPr wrap="none">
+            <a:spAutoFit/>
+          </a:bodyPr>
+          <a:lstStyle>
+            <a:lvl1pPr>
+              <a:defRPr sz="2400" b="1">
+                <a:solidFill>
+                  <a:schemeClr val="tx1"/>
+                </a:solidFill>
+                <a:latin typeface="Times" charset="0"/>
+                <a:ea typeface="MS PGothic" charset="0"/>
+                <a:cs typeface="MS PGothic" charset="0"/>
+              </a:defRPr>
+            </a:lvl1pPr>
+            <a:lvl2pPr marL="742950" indent="-285750">
+              <a:defRPr sz="2400" b="1">
+                <a:solidFill>
+                  <a:schemeClr val="tx1"/>
+                </a:solidFill>
+                <a:latin typeface="Times" charset="0"/>
+                <a:ea typeface="MS PGothic" charset="0"/>
+                <a:cs typeface="MS PGothic" charset="0"/>
+              </a:defRPr>
+            </a:lvl2pPr>
+            <a:lvl3pPr marL="1143000" indent="-228600">
+              <a:defRPr sz="2400" b="1">
+                <a:solidFill>
+                  <a:schemeClr val="tx1"/>
+                </a:solidFill>
+                <a:latin typeface="Times" charset="0"/>
+                <a:ea typeface="MS PGothic" charset="0"/>
+                <a:cs typeface="MS PGothic" charset="0"/>
+              </a:defRPr>
+            </a:lvl3pPr>
+            <a:lvl4pPr marL="1600200" indent="-228600">
+              <a:defRPr sz="2400" b="1">
+                <a:solidFill>
+                  <a:schemeClr val="tx1"/>
+                </a:solidFill>
+                <a:latin typeface="Times" charset="0"/>
+                <a:ea typeface="MS PGothic" charset="0"/>
+                <a:cs typeface="MS PGothic" charset="0"/>
+              </a:defRPr>
+            </a:lvl4pPr>
+            <a:lvl5pPr marL="2057400" indent="-228600">
+              <a:defRPr sz="2400" b="1">
+                <a:solidFill>
+                  <a:schemeClr val="tx1"/>
+                </a:solidFill>
+                <a:latin typeface="Times" charset="0"/>
+                <a:ea typeface="MS PGothic" charset="0"/>
+                <a:cs typeface="MS PGothic" charset="0"/>
+              </a:defRPr>
+            </a:lvl5pPr>
+            <a:lvl6pPr marL="2514600" indent="-228600" eaLnBrk="0" fontAlgn="base" hangingPunct="0">
+              <a:spcBef>
+                <a:spcPct val="0"/>
+              </a:spcBef>
+              <a:spcAft>
+                <a:spcPct val="0"/>
+              </a:spcAft>
+              <a:defRPr sz="2400" b="1">
+                <a:solidFill>
+                  <a:schemeClr val="tx1"/>
+                </a:solidFill>
+                <a:latin typeface="Times" charset="0"/>
+                <a:ea typeface="MS PGothic" charset="0"/>
+                <a:cs typeface="MS PGothic" charset="0"/>
+              </a:defRPr>
+            </a:lvl6pPr>
+            <a:lvl7pPr marL="2971800" indent="-228600" eaLnBrk="0" fontAlgn="base" hangingPunct="0">
+              <a:spcBef>
+                <a:spcPct val="0"/>
+              </a:spcBef>
+              <a:spcAft>
+                <a:spcPct val="0"/>
+              </a:spcAft>
+              <a:defRPr sz="2400" b="1">
+                <a:solidFill>
+                  <a:schemeClr val="tx1"/>
+                </a:solidFill>
+                <a:latin typeface="Times" charset="0"/>
+                <a:ea typeface="MS PGothic" charset="0"/>
+                <a:cs typeface="MS PGothic" charset="0"/>
+              </a:defRPr>
+            </a:lvl7pPr>
+            <a:lvl8pPr marL="3429000" indent="-228600" eaLnBrk="0" fontAlgn="base" hangingPunct="0">
+              <a:spcBef>
+                <a:spcPct val="0"/>
+              </a:spcBef>
+              <a:spcAft>
+                <a:spcPct val="0"/>
+              </a:spcAft>
+              <a:defRPr sz="2400" b="1">
+                <a:solidFill>
+                  <a:schemeClr val="tx1"/>
+                </a:solidFill>
+                <a:latin typeface="Times" charset="0"/>
+                <a:ea typeface="MS PGothic" charset="0"/>
+                <a:cs typeface="MS PGothic" charset="0"/>
+              </a:defRPr>
+            </a:lvl8pPr>
+            <a:lvl9pPr marL="3886200" indent="-228600" eaLnBrk="0" fontAlgn="base" hangingPunct="0">
+              <a:spcBef>
+                <a:spcPct val="0"/>
+              </a:spcBef>
+              <a:spcAft>
+                <a:spcPct val="0"/>
+              </a:spcAft>
+              <a:defRPr sz="2400" b="1">
+                <a:solidFill>
+                  <a:schemeClr val="tx1"/>
+                </a:solidFill>
+                <a:latin typeface="Times" charset="0"/>
+                <a:ea typeface="MS PGothic" charset="0"/>
+                <a:cs typeface="MS PGothic" charset="0"/>
+              </a:defRPr>
+            </a:lvl9pPr>
+          </a:lstStyle>
+          <a:p>
+            <a:pPr eaLnBrk="1" hangingPunct="1"/>
+            <a:r>
+              <a:rPr lang="en-US">
+                <a:latin typeface="Courier New" charset="0"/>
+                <a:ea typeface="ＭＳ Ｐゴシック" charset="0"/>
+                <a:cs typeface="ＭＳ Ｐゴシック" charset="0"/>
+              </a:rPr>
+              <a:t>public Square()</a:t>
+            </a:r>
+          </a:p>
+          <a:p>
+            <a:pPr eaLnBrk="1" hangingPunct="1"/>
+            <a:r>
+              <a:rPr lang="en-US">
+                <a:latin typeface="Courier New" charset="0"/>
+                <a:ea typeface="ＭＳ Ｐゴシック" charset="0"/>
+                <a:cs typeface="ＭＳ Ｐゴシック" charset="0"/>
+              </a:rPr>
+              <a:t>{</a:t>
+            </a:r>
+          </a:p>
+          <a:p>
+            <a:pPr eaLnBrk="1" hangingPunct="1"/>
+            <a:r>
+              <a:rPr lang="en-US">
+                <a:latin typeface="Courier New" charset="0"/>
+                <a:ea typeface="ＭＳ Ｐゴシック" charset="0"/>
+                <a:cs typeface="ＭＳ Ｐゴシック" charset="0"/>
+              </a:rPr>
+              <a:t>    x = 0;</a:t>
+            </a:r>
+          </a:p>
+          <a:p>
+            <a:pPr eaLnBrk="1" hangingPunct="1"/>
+            <a:r>
+              <a:rPr lang="en-US">
+                <a:latin typeface="Courier New" charset="0"/>
+                <a:ea typeface="ＭＳ Ｐゴシック" charset="0"/>
+                <a:cs typeface="ＭＳ Ｐゴシック" charset="0"/>
+              </a:rPr>
+              <a:t>    y = 0;</a:t>
+            </a:r>
+          </a:p>
+          <a:p>
+            <a:pPr eaLnBrk="1" hangingPunct="1"/>
+            <a:r>
+              <a:rPr lang="en-US">
+                <a:latin typeface="Courier New" charset="0"/>
+                <a:ea typeface="ＭＳ Ｐゴシック" charset="0"/>
+                <a:cs typeface="ＭＳ Ｐゴシック" charset="0"/>
+              </a:rPr>
+              <a:t>    size = 0;</a:t>
+            </a:r>
+          </a:p>
+          <a:p>
+            <a:pPr eaLnBrk="1" hangingPunct="1"/>
+            <a:r>
+              <a:rPr lang="en-US">
+                <a:latin typeface="Courier New" charset="0"/>
+                <a:ea typeface="ＭＳ Ｐゴシック" charset="0"/>
+                <a:cs typeface="ＭＳ Ｐゴシック" charset="0"/>
+              </a:rPr>
+              <a:t>    color = Color.blue;</a:t>
+            </a:r>
+          </a:p>
+          <a:p>
+            <a:pPr eaLnBrk="1" hangingPunct="1"/>
+            <a:r>
+              <a:rPr lang="en-US">
+                <a:latin typeface="Courier New" charset="0"/>
+                <a:ea typeface="ＭＳ Ｐゴシック" charset="0"/>
+                <a:cs typeface="ＭＳ Ｐゴシック" charset="0"/>
+              </a:rPr>
+              <a:t>} </a:t>
+            </a:r>
+          </a:p>
+        </p:txBody>
+      </p:sp>
+    </p:spTree>
+    <p:extLst>
+      <p:ext uri="{BB962C8B-B14F-4D97-AF65-F5344CB8AC3E}">
+        <p14:creationId xmlns:p14="http://schemas.microsoft.com/office/powerpoint/2010/main" val="891094126"/>
+      </p:ext>
+    </p:extLst>
+  </p:cSld>
+  <p:clrMapOvr>
+    <a:masterClrMapping/>
+  </p:clrMapOvr>
+  <p:transition xmlns:p14="http://schemas.microsoft.com/office/powerpoint/2010/main" spd="med"/>
+  <p:timing>
+    <p:tnLst>
+      <p:par>
+        <p:cTn xmlns:p14="http://schemas.microsoft.com/office/powerpoint/2010/main" id="1" dur="indefinite" restart="never" nodeType="tmRoot">
+          <p:childTnLst>
+            <p:seq concurrent="1" nextAc="seek">
+              <p:cTn id="2" dur="indefinite" nodeType="mainSeq">
+                <p:childTnLst>
+                  <p:par>
+                    <p:cTn id="3" fill="hold" nodeType="clickPar">
+                      <p:stCondLst>
+                        <p:cond delay="indefinite"/>
+                      </p:stCondLst>
+                      <p:childTnLst>
+                        <p:par>
+                          <p:cTn id="4" fill="hold" nodeType="withGroup">
+                            <p:stCondLst>
+                              <p:cond delay="0"/>
+                            </p:stCondLst>
+                            <p:childTnLst>
+                              <p:par>
+                                <p:cTn id="5" presetID="10" presetClass="entr" presetSubtype="0" fill="hold" grpId="0" nodeType="clickEffect">
+                                  <p:stCondLst>
+                                    <p:cond delay="0"/>
+                                  </p:stCondLst>
+                                  <p:childTnLst>
+                                    <p:set>
+                                      <p:cBhvr>
+                                        <p:cTn id="6" dur="1" fill="hold">
+                                          <p:stCondLst>
+                                            <p:cond delay="0"/>
+                                          </p:stCondLst>
+                                        </p:cTn>
+                                        <p:tgtEl>
+                                          <p:spTgt spid="13317"/>
+                                        </p:tgtEl>
+                                        <p:attrNameLst>
+                                          <p:attrName>style.visibility</p:attrName>
+                                        </p:attrNameLst>
+                                      </p:cBhvr>
+                                      <p:to>
+                                        <p:strVal val="visible"/>
+                                      </p:to>
+                                    </p:set>
+                                    <p:animEffect transition="in" filter="fade">
+                                      <p:cBhvr>
+                                        <p:cTn id="7" dur="500"/>
+                                        <p:tgtEl>
+                                          <p:spTgt spid="13317"/>
+                                        </p:tgtEl>
+                                      </p:cBhvr>
+                                    </p:animEffect>
+                                  </p:childTnLst>
+                                </p:cTn>
+                              </p:par>
+                            </p:childTnLst>
+                          </p:cTn>
+                        </p:par>
+                      </p:childTnLst>
+                    </p:cTn>
+                  </p:par>
+                  <p:par>
+                    <p:cTn id="8" fill="hold" nodeType="clickPar">
+                      <p:stCondLst>
+                        <p:cond delay="indefinite"/>
+                      </p:stCondLst>
+                      <p:childTnLst>
+                        <p:par>
+                          <p:cTn id="9" fill="hold" nodeType="withGroup">
+                            <p:stCondLst>
+                              <p:cond delay="0"/>
+                            </p:stCondLst>
+                            <p:childTnLst>
+                              <p:par>
+                                <p:cTn id="10" presetID="22" presetClass="entr" presetSubtype="8" fill="hold" grpId="0" nodeType="clickEffect">
+                                  <p:stCondLst>
+                                    <p:cond delay="0"/>
+                                  </p:stCondLst>
+                                  <p:childTnLst>
+                                    <p:set>
+                                      <p:cBhvr>
+                                        <p:cTn id="11" dur="1" fill="hold">
+                                          <p:stCondLst>
+                                            <p:cond delay="0"/>
+                                          </p:stCondLst>
+                                        </p:cTn>
+                                        <p:tgtEl>
+                                          <p:spTgt spid="13315">
+                                            <p:txEl>
+                                              <p:pRg st="0" end="0"/>
+                                            </p:txEl>
+                                          </p:spTgt>
+                                        </p:tgtEl>
+                                        <p:attrNameLst>
+                                          <p:attrName>style.visibility</p:attrName>
+                                        </p:attrNameLst>
+                                      </p:cBhvr>
+                                      <p:to>
+                                        <p:strVal val="visible"/>
+                                      </p:to>
+                                    </p:set>
+                                    <p:animEffect transition="in" filter="wipe(left)">
+                                      <p:cBhvr>
+                                        <p:cTn id="12" dur="500"/>
+                                        <p:tgtEl>
+                                          <p:spTgt spid="13315">
+                                            <p:txEl>
+                                              <p:pRg st="0" end="0"/>
+                                            </p:txEl>
+                                          </p:spTgt>
+                                        </p:tgtEl>
+                                      </p:cBhvr>
+                                    </p:animEffect>
+                                  </p:childTnLst>
+                                </p:cTn>
+                              </p:par>
+                            </p:childTnLst>
+                          </p:cTn>
+                        </p:par>
+                      </p:childTnLst>
+                    </p:cTn>
+                  </p:par>
+                  <p:par>
+                    <p:cTn id="13" fill="hold" nodeType="clickPar">
+                      <p:stCondLst>
+                        <p:cond delay="indefinite"/>
+                      </p:stCondLst>
+                      <p:childTnLst>
+                        <p:par>
+                          <p:cTn id="14" fill="hold" nodeType="withGroup">
+                            <p:stCondLst>
+                              <p:cond delay="0"/>
+                            </p:stCondLst>
+                            <p:childTnLst>
+                              <p:par>
+                                <p:cTn id="15" presetID="22" presetClass="entr" presetSubtype="8" fill="hold" grpId="0" nodeType="clickEffect">
+                                  <p:stCondLst>
+                                    <p:cond delay="0"/>
+                                  </p:stCondLst>
+                                  <p:childTnLst>
+                                    <p:set>
+                                      <p:cBhvr>
+                                        <p:cTn id="16" dur="1" fill="hold">
+                                          <p:stCondLst>
+                                            <p:cond delay="0"/>
+                                          </p:stCondLst>
+                                        </p:cTn>
+                                        <p:tgtEl>
+                                          <p:spTgt spid="13315">
+                                            <p:txEl>
+                                              <p:pRg st="1" end="1"/>
+                                            </p:txEl>
+                                          </p:spTgt>
+                                        </p:tgtEl>
+                                        <p:attrNameLst>
+                                          <p:attrName>style.visibility</p:attrName>
+                                        </p:attrNameLst>
+                                      </p:cBhvr>
+                                      <p:to>
+                                        <p:strVal val="visible"/>
+                                      </p:to>
+                                    </p:set>
+                                    <p:animEffect transition="in" filter="wipe(left)">
+                                      <p:cBhvr>
+                                        <p:cTn id="17" dur="500"/>
+                                        <p:tgtEl>
+                                          <p:spTgt spid="13315">
+                                            <p:txEl>
+                                              <p:pRg st="1" end="1"/>
+                                            </p:txEl>
+                                          </p:spTgt>
+                                        </p:tgtEl>
+                                      </p:cBhvr>
+                                    </p:animEffect>
+                                  </p:childTnLst>
+                                </p:cTn>
+                              </p:par>
+                            </p:childTnLst>
+                          </p:cTn>
+                        </p:par>
+                      </p:childTnLst>
+                    </p:cTn>
+                  </p:par>
+                  <p:par>
+                    <p:cTn id="18" fill="hold" nodeType="clickPar">
+                      <p:stCondLst>
+                        <p:cond delay="indefinite"/>
+                      </p:stCondLst>
+                      <p:childTnLst>
+                        <p:par>
+                          <p:cTn id="19" fill="hold" nodeType="withGroup">
+                            <p:stCondLst>
+                              <p:cond delay="0"/>
+                            </p:stCondLst>
+                            <p:childTnLst>
+                              <p:par>
+                                <p:cTn id="20" presetID="22" presetClass="entr" presetSubtype="8" fill="hold" grpId="0" nodeType="clickEffect">
+                                  <p:stCondLst>
+                                    <p:cond delay="0"/>
+                                  </p:stCondLst>
+                                  <p:childTnLst>
+                                    <p:set>
+                                      <p:cBhvr>
+                                        <p:cTn id="21" dur="1" fill="hold">
+                                          <p:stCondLst>
+                                            <p:cond delay="0"/>
+                                          </p:stCondLst>
+                                        </p:cTn>
+                                        <p:tgtEl>
+                                          <p:spTgt spid="13315">
+                                            <p:txEl>
+                                              <p:pRg st="2" end="2"/>
+                                            </p:txEl>
+                                          </p:spTgt>
+                                        </p:tgtEl>
+                                        <p:attrNameLst>
+                                          <p:attrName>style.visibility</p:attrName>
+                                        </p:attrNameLst>
+                                      </p:cBhvr>
+                                      <p:to>
+                                        <p:strVal val="visible"/>
+                                      </p:to>
+                                    </p:set>
+                                    <p:animEffect transition="in" filter="wipe(left)">
+                                      <p:cBhvr>
+                                        <p:cTn id="22" dur="500"/>
+                                        <p:tgtEl>
+                                          <p:spTgt spid="13315">
+                                            <p:txEl>
+                                              <p:pRg st="2" end="2"/>
+                                            </p:txEl>
+                                          </p:spTgt>
+                                        </p:tgtEl>
+                                      </p:cBhvr>
+                                    </p:animEffect>
+                                  </p:childTnLst>
+                                </p:cTn>
+                              </p:par>
+                            </p:childTnLst>
+                          </p:cTn>
+                        </p:par>
+                      </p:childTnLst>
+                    </p:cTn>
+                  </p:par>
+                  <p:par>
+                    <p:cTn id="23" fill="hold" nodeType="clickPar">
+                      <p:stCondLst>
+                        <p:cond delay="indefinite"/>
+                      </p:stCondLst>
+                      <p:childTnLst>
+                        <p:par>
+                          <p:cTn id="24" fill="hold" nodeType="withGroup">
+                            <p:stCondLst>
+                              <p:cond delay="0"/>
+                            </p:stCondLst>
+                            <p:childTnLst>
+                              <p:par>
+                                <p:cTn id="25" presetID="22" presetClass="entr" presetSubtype="8" fill="hold" grpId="0" nodeType="clickEffect">
+                                  <p:stCondLst>
+                                    <p:cond delay="0"/>
+                                  </p:stCondLst>
+                                  <p:childTnLst>
+                                    <p:set>
+                                      <p:cBhvr>
+                                        <p:cTn id="26" dur="1" fill="hold">
+                                          <p:stCondLst>
+                                            <p:cond delay="0"/>
+                                          </p:stCondLst>
+                                        </p:cTn>
+                                        <p:tgtEl>
+                                          <p:spTgt spid="13315">
+                                            <p:txEl>
+                                              <p:pRg st="3" end="3"/>
+                                            </p:txEl>
+                                          </p:spTgt>
+                                        </p:tgtEl>
+                                        <p:attrNameLst>
+                                          <p:attrName>style.visibility</p:attrName>
+                                        </p:attrNameLst>
+                                      </p:cBhvr>
+                                      <p:to>
+                                        <p:strVal val="visible"/>
+                                      </p:to>
+                                    </p:set>
+                                    <p:animEffect transition="in" filter="wipe(left)">
+                                      <p:cBhvr>
+                                        <p:cTn id="27" dur="500"/>
+                                        <p:tgtEl>
+                                          <p:spTgt spid="13315">
+                                            <p:txEl>
+                                              <p:pRg st="3" end="3"/>
+                                            </p:txEl>
+                                          </p:spTgt>
+                                        </p:tgtEl>
+                                      </p:cBhvr>
+                                    </p:animEffect>
+                                  </p:childTnLst>
+                                </p:cTn>
+                              </p:par>
+                            </p:childTnLst>
+                          </p:cTn>
+                        </p:par>
+                      </p:childTnLst>
+                    </p:cTn>
+                  </p:par>
+                </p:childTnLst>
+              </p:cTn>
+              <p:prevCondLst>
+                <p:cond evt="onPrev" delay="0">
+                  <p:tgtEl>
+                    <p:sldTgt/>
+                  </p:tgtEl>
+                </p:cond>
+              </p:prevCondLst>
+              <p:nextCondLst>
+                <p:cond evt="onNext" delay="0">
+                  <p:tgtEl>
+                    <p:sldTgt/>
+                  </p:tgtEl>
+                </p:cond>
+              </p:nextCondLst>
+            </p:seq>
+          </p:childTnLst>
+        </p:cTn>
+      </p:par>
+    </p:tnLst>
+    <p:bldLst>
+      <p:bldP spid="13315" grpId="0" build="p"/>
+      <p:bldP spid="13317" grpId="0"/>
     </p:bldLst>
   </p:timing>
 </p:sld>
